--- a/ppt 16-9/0826.主所看重的.pptx
+++ b/ppt 16-9/0826.主所看重的.pptx
@@ -129,7 +129,7 @@
           <p:cNvPr id="2" name="标题 1">
             <a:extLst>
               <a:ext uri="{FF2B5EF4-FFF2-40B4-BE49-F238E27FC236}">
-                <a16:creationId xmlns:a16="http://schemas.microsoft.com/office/drawing/2014/main" id="{E0C4164F-AF63-5C20-6C2D-1309670586BD}"/>
+                <a16:creationId xmlns:a16="http://schemas.microsoft.com/office/drawing/2014/main" id="{63F5316C-CCA0-0D51-74F0-9AF2CA1C6669}"/>
               </a:ext>
             </a:extLst>
           </p:cNvPr>
@@ -166,7 +166,7 @@
           <p:cNvPr id="3" name="副标题 2">
             <a:extLst>
               <a:ext uri="{FF2B5EF4-FFF2-40B4-BE49-F238E27FC236}">
-                <a16:creationId xmlns:a16="http://schemas.microsoft.com/office/drawing/2014/main" id="{23027C5B-0341-E6AE-493D-A18ADD19DC84}"/>
+                <a16:creationId xmlns:a16="http://schemas.microsoft.com/office/drawing/2014/main" id="{EC775DCE-FC56-CD42-5F31-E2A0338D4CA0}"/>
               </a:ext>
             </a:extLst>
           </p:cNvPr>
@@ -236,7 +236,7 @@
           <p:cNvPr id="4" name="日期占位符 3">
             <a:extLst>
               <a:ext uri="{FF2B5EF4-FFF2-40B4-BE49-F238E27FC236}">
-                <a16:creationId xmlns:a16="http://schemas.microsoft.com/office/drawing/2014/main" id="{D8F00FCB-AB0D-3EBD-553C-8CC9BB7FB525}"/>
+                <a16:creationId xmlns:a16="http://schemas.microsoft.com/office/drawing/2014/main" id="{D7E18CE1-D4A0-AC0E-0D87-546F6BB24533}"/>
               </a:ext>
             </a:extLst>
           </p:cNvPr>
@@ -252,7 +252,7 @@
           <a:bodyPr/>
           <a:lstStyle/>
           <a:p>
-            <a:fld id="{C8DA486A-55E5-4C54-B2B7-5AAB049B6CDC}" type="datetimeFigureOut">
+            <a:fld id="{5AC75C84-4621-4153-AE5E-1765C4D6FCC3}" type="datetimeFigureOut">
               <a:rPr lang="zh-CN" altLang="en-US" smtClean="0"/>
               <a:t>2024/3/10</a:t>
             </a:fld>
@@ -265,7 +265,7 @@
           <p:cNvPr id="5" name="页脚占位符 4">
             <a:extLst>
               <a:ext uri="{FF2B5EF4-FFF2-40B4-BE49-F238E27FC236}">
-                <a16:creationId xmlns:a16="http://schemas.microsoft.com/office/drawing/2014/main" id="{24995A8D-C613-BEA6-1159-411CFC8E4B2D}"/>
+                <a16:creationId xmlns:a16="http://schemas.microsoft.com/office/drawing/2014/main" id="{C94293C8-9E80-E54B-64CB-E9CD7FAE2E85}"/>
               </a:ext>
             </a:extLst>
           </p:cNvPr>
@@ -290,7 +290,7 @@
           <p:cNvPr id="6" name="灯片编号占位符 5">
             <a:extLst>
               <a:ext uri="{FF2B5EF4-FFF2-40B4-BE49-F238E27FC236}">
-                <a16:creationId xmlns:a16="http://schemas.microsoft.com/office/drawing/2014/main" id="{68DD9661-1671-9C08-2AFA-DA6362727AE4}"/>
+                <a16:creationId xmlns:a16="http://schemas.microsoft.com/office/drawing/2014/main" id="{A3FB296F-5BF3-340B-4DF4-DFA50BCC85B7}"/>
               </a:ext>
             </a:extLst>
           </p:cNvPr>
@@ -306,7 +306,7 @@
           <a:bodyPr/>
           <a:lstStyle/>
           <a:p>
-            <a:fld id="{FB54509F-FE37-4CFB-971C-944A255119AB}" type="slidenum">
+            <a:fld id="{7AC8388B-3CA3-49AE-A16D-CC47A1F27378}" type="slidenum">
               <a:rPr lang="zh-CN" altLang="en-US" smtClean="0"/>
               <a:t>‹#›</a:t>
             </a:fld>
@@ -317,7 +317,7 @@
     </p:spTree>
     <p:extLst>
       <p:ext uri="{BB962C8B-B14F-4D97-AF65-F5344CB8AC3E}">
-        <p14:creationId xmlns:p14="http://schemas.microsoft.com/office/powerpoint/2010/main" val="1623642759"/>
+        <p14:creationId xmlns:p14="http://schemas.microsoft.com/office/powerpoint/2010/main" val="3542629801"/>
       </p:ext>
     </p:extLst>
   </p:cSld>
@@ -349,7 +349,7 @@
           <p:cNvPr id="2" name="标题 1">
             <a:extLst>
               <a:ext uri="{FF2B5EF4-FFF2-40B4-BE49-F238E27FC236}">
-                <a16:creationId xmlns:a16="http://schemas.microsoft.com/office/drawing/2014/main" id="{206EAABC-F9EE-2191-3E5C-AE3D9D9C0D2B}"/>
+                <a16:creationId xmlns:a16="http://schemas.microsoft.com/office/drawing/2014/main" id="{82F2BE90-D90A-8E73-92D8-334678276938}"/>
               </a:ext>
             </a:extLst>
           </p:cNvPr>
@@ -377,7 +377,7 @@
           <p:cNvPr id="3" name="竖排文字占位符 2">
             <a:extLst>
               <a:ext uri="{FF2B5EF4-FFF2-40B4-BE49-F238E27FC236}">
-                <a16:creationId xmlns:a16="http://schemas.microsoft.com/office/drawing/2014/main" id="{75A35F2C-5E47-B887-E912-FDFF940703F1}"/>
+                <a16:creationId xmlns:a16="http://schemas.microsoft.com/office/drawing/2014/main" id="{E89E6B99-C6D0-2452-F6E5-72093F9C43E0}"/>
               </a:ext>
             </a:extLst>
           </p:cNvPr>
@@ -434,7 +434,7 @@
           <p:cNvPr id="4" name="日期占位符 3">
             <a:extLst>
               <a:ext uri="{FF2B5EF4-FFF2-40B4-BE49-F238E27FC236}">
-                <a16:creationId xmlns:a16="http://schemas.microsoft.com/office/drawing/2014/main" id="{FC2C4443-73F0-87F9-5CB1-7F9B4939D69F}"/>
+                <a16:creationId xmlns:a16="http://schemas.microsoft.com/office/drawing/2014/main" id="{4E5ADC71-51A9-A9FD-5A97-CEA3C964FA5A}"/>
               </a:ext>
             </a:extLst>
           </p:cNvPr>
@@ -450,7 +450,7 @@
           <a:bodyPr/>
           <a:lstStyle/>
           <a:p>
-            <a:fld id="{C8DA486A-55E5-4C54-B2B7-5AAB049B6CDC}" type="datetimeFigureOut">
+            <a:fld id="{5AC75C84-4621-4153-AE5E-1765C4D6FCC3}" type="datetimeFigureOut">
               <a:rPr lang="zh-CN" altLang="en-US" smtClean="0"/>
               <a:t>2024/3/10</a:t>
             </a:fld>
@@ -463,7 +463,7 @@
           <p:cNvPr id="5" name="页脚占位符 4">
             <a:extLst>
               <a:ext uri="{FF2B5EF4-FFF2-40B4-BE49-F238E27FC236}">
-                <a16:creationId xmlns:a16="http://schemas.microsoft.com/office/drawing/2014/main" id="{F27100F5-EE19-CFCE-5C11-49C4FC00340E}"/>
+                <a16:creationId xmlns:a16="http://schemas.microsoft.com/office/drawing/2014/main" id="{B64EDE28-F92D-C3A3-698D-E806EDAD43F5}"/>
               </a:ext>
             </a:extLst>
           </p:cNvPr>
@@ -488,7 +488,7 @@
           <p:cNvPr id="6" name="灯片编号占位符 5">
             <a:extLst>
               <a:ext uri="{FF2B5EF4-FFF2-40B4-BE49-F238E27FC236}">
-                <a16:creationId xmlns:a16="http://schemas.microsoft.com/office/drawing/2014/main" id="{DB17865C-E292-9EBA-70D4-79CD3AA3EB85}"/>
+                <a16:creationId xmlns:a16="http://schemas.microsoft.com/office/drawing/2014/main" id="{5F70415D-1E87-C90C-3A2A-B6EAE627F238}"/>
               </a:ext>
             </a:extLst>
           </p:cNvPr>
@@ -504,7 +504,7 @@
           <a:bodyPr/>
           <a:lstStyle/>
           <a:p>
-            <a:fld id="{FB54509F-FE37-4CFB-971C-944A255119AB}" type="slidenum">
+            <a:fld id="{7AC8388B-3CA3-49AE-A16D-CC47A1F27378}" type="slidenum">
               <a:rPr lang="zh-CN" altLang="en-US" smtClean="0"/>
               <a:t>‹#›</a:t>
             </a:fld>
@@ -515,7 +515,7 @@
     </p:spTree>
     <p:extLst>
       <p:ext uri="{BB962C8B-B14F-4D97-AF65-F5344CB8AC3E}">
-        <p14:creationId xmlns:p14="http://schemas.microsoft.com/office/powerpoint/2010/main" val="2453506812"/>
+        <p14:creationId xmlns:p14="http://schemas.microsoft.com/office/powerpoint/2010/main" val="3376834160"/>
       </p:ext>
     </p:extLst>
   </p:cSld>
@@ -547,7 +547,7 @@
           <p:cNvPr id="2" name="竖排标题 1">
             <a:extLst>
               <a:ext uri="{FF2B5EF4-FFF2-40B4-BE49-F238E27FC236}">
-                <a16:creationId xmlns:a16="http://schemas.microsoft.com/office/drawing/2014/main" id="{6542D58C-CC92-BFA9-20CE-49559D9D2AC5}"/>
+                <a16:creationId xmlns:a16="http://schemas.microsoft.com/office/drawing/2014/main" id="{CE5BB81D-ED46-82DB-4536-FF19C8EE43E0}"/>
               </a:ext>
             </a:extLst>
           </p:cNvPr>
@@ -580,7 +580,7 @@
           <p:cNvPr id="3" name="竖排文字占位符 2">
             <a:extLst>
               <a:ext uri="{FF2B5EF4-FFF2-40B4-BE49-F238E27FC236}">
-                <a16:creationId xmlns:a16="http://schemas.microsoft.com/office/drawing/2014/main" id="{2BFDF9CB-7236-0348-E3A0-62DAF210EE84}"/>
+                <a16:creationId xmlns:a16="http://schemas.microsoft.com/office/drawing/2014/main" id="{A9F2AFEA-C5F1-437C-2B26-BBB7D115D4AB}"/>
               </a:ext>
             </a:extLst>
           </p:cNvPr>
@@ -642,7 +642,7 @@
           <p:cNvPr id="4" name="日期占位符 3">
             <a:extLst>
               <a:ext uri="{FF2B5EF4-FFF2-40B4-BE49-F238E27FC236}">
-                <a16:creationId xmlns:a16="http://schemas.microsoft.com/office/drawing/2014/main" id="{3E12D311-2692-33A8-2540-EDAD6910280F}"/>
+                <a16:creationId xmlns:a16="http://schemas.microsoft.com/office/drawing/2014/main" id="{97E18B27-6D83-7B04-BF41-9A7FA9B2E545}"/>
               </a:ext>
             </a:extLst>
           </p:cNvPr>
@@ -658,7 +658,7 @@
           <a:bodyPr/>
           <a:lstStyle/>
           <a:p>
-            <a:fld id="{C8DA486A-55E5-4C54-B2B7-5AAB049B6CDC}" type="datetimeFigureOut">
+            <a:fld id="{5AC75C84-4621-4153-AE5E-1765C4D6FCC3}" type="datetimeFigureOut">
               <a:rPr lang="zh-CN" altLang="en-US" smtClean="0"/>
               <a:t>2024/3/10</a:t>
             </a:fld>
@@ -671,7 +671,7 @@
           <p:cNvPr id="5" name="页脚占位符 4">
             <a:extLst>
               <a:ext uri="{FF2B5EF4-FFF2-40B4-BE49-F238E27FC236}">
-                <a16:creationId xmlns:a16="http://schemas.microsoft.com/office/drawing/2014/main" id="{0CE23086-EA46-DE91-F644-23DA5BF9B8A1}"/>
+                <a16:creationId xmlns:a16="http://schemas.microsoft.com/office/drawing/2014/main" id="{116F0B44-77D6-FDFE-DFC8-B74D3DF5693E}"/>
               </a:ext>
             </a:extLst>
           </p:cNvPr>
@@ -696,7 +696,7 @@
           <p:cNvPr id="6" name="灯片编号占位符 5">
             <a:extLst>
               <a:ext uri="{FF2B5EF4-FFF2-40B4-BE49-F238E27FC236}">
-                <a16:creationId xmlns:a16="http://schemas.microsoft.com/office/drawing/2014/main" id="{6BDC8059-AA30-5CC6-7297-20EBCFF1905C}"/>
+                <a16:creationId xmlns:a16="http://schemas.microsoft.com/office/drawing/2014/main" id="{E1CF6788-C96D-2DC2-8919-5DD573D6C078}"/>
               </a:ext>
             </a:extLst>
           </p:cNvPr>
@@ -712,7 +712,7 @@
           <a:bodyPr/>
           <a:lstStyle/>
           <a:p>
-            <a:fld id="{FB54509F-FE37-4CFB-971C-944A255119AB}" type="slidenum">
+            <a:fld id="{7AC8388B-3CA3-49AE-A16D-CC47A1F27378}" type="slidenum">
               <a:rPr lang="zh-CN" altLang="en-US" smtClean="0"/>
               <a:t>‹#›</a:t>
             </a:fld>
@@ -723,7 +723,7 @@
     </p:spTree>
     <p:extLst>
       <p:ext uri="{BB962C8B-B14F-4D97-AF65-F5344CB8AC3E}">
-        <p14:creationId xmlns:p14="http://schemas.microsoft.com/office/powerpoint/2010/main" val="843531946"/>
+        <p14:creationId xmlns:p14="http://schemas.microsoft.com/office/powerpoint/2010/main" val="2319428930"/>
       </p:ext>
     </p:extLst>
   </p:cSld>
@@ -755,7 +755,7 @@
           <p:cNvPr id="2" name="标题 1">
             <a:extLst>
               <a:ext uri="{FF2B5EF4-FFF2-40B4-BE49-F238E27FC236}">
-                <a16:creationId xmlns:a16="http://schemas.microsoft.com/office/drawing/2014/main" id="{A0C7A948-F0A9-62D1-ED37-BD3959B1BA15}"/>
+                <a16:creationId xmlns:a16="http://schemas.microsoft.com/office/drawing/2014/main" id="{3DBD4BCD-A37C-5B89-8593-C0C9243095CA}"/>
               </a:ext>
             </a:extLst>
           </p:cNvPr>
@@ -783,7 +783,7 @@
           <p:cNvPr id="3" name="内容占位符 2">
             <a:extLst>
               <a:ext uri="{FF2B5EF4-FFF2-40B4-BE49-F238E27FC236}">
-                <a16:creationId xmlns:a16="http://schemas.microsoft.com/office/drawing/2014/main" id="{A14E65EA-7F30-858B-23D2-7FED82DF55A1}"/>
+                <a16:creationId xmlns:a16="http://schemas.microsoft.com/office/drawing/2014/main" id="{F14A8EE6-E3E6-7A4F-4F9C-1575FBD5C09C}"/>
               </a:ext>
             </a:extLst>
           </p:cNvPr>
@@ -840,7 +840,7 @@
           <p:cNvPr id="4" name="日期占位符 3">
             <a:extLst>
               <a:ext uri="{FF2B5EF4-FFF2-40B4-BE49-F238E27FC236}">
-                <a16:creationId xmlns:a16="http://schemas.microsoft.com/office/drawing/2014/main" id="{8D4597F8-FD07-6EDB-5D20-EFAAD8CF9B38}"/>
+                <a16:creationId xmlns:a16="http://schemas.microsoft.com/office/drawing/2014/main" id="{24BBDF90-29F2-3B8D-ADE0-BEF036341751}"/>
               </a:ext>
             </a:extLst>
           </p:cNvPr>
@@ -856,7 +856,7 @@
           <a:bodyPr/>
           <a:lstStyle/>
           <a:p>
-            <a:fld id="{C8DA486A-55E5-4C54-B2B7-5AAB049B6CDC}" type="datetimeFigureOut">
+            <a:fld id="{5AC75C84-4621-4153-AE5E-1765C4D6FCC3}" type="datetimeFigureOut">
               <a:rPr lang="zh-CN" altLang="en-US" smtClean="0"/>
               <a:t>2024/3/10</a:t>
             </a:fld>
@@ -869,7 +869,7 @@
           <p:cNvPr id="5" name="页脚占位符 4">
             <a:extLst>
               <a:ext uri="{FF2B5EF4-FFF2-40B4-BE49-F238E27FC236}">
-                <a16:creationId xmlns:a16="http://schemas.microsoft.com/office/drawing/2014/main" id="{D5F53883-DE02-D7F5-FFBC-662661561B9B}"/>
+                <a16:creationId xmlns:a16="http://schemas.microsoft.com/office/drawing/2014/main" id="{ED9DF368-F5A4-1E17-3992-4A97CC66E432}"/>
               </a:ext>
             </a:extLst>
           </p:cNvPr>
@@ -894,7 +894,7 @@
           <p:cNvPr id="6" name="灯片编号占位符 5">
             <a:extLst>
               <a:ext uri="{FF2B5EF4-FFF2-40B4-BE49-F238E27FC236}">
-                <a16:creationId xmlns:a16="http://schemas.microsoft.com/office/drawing/2014/main" id="{2E27163E-5AFE-26BA-E5D9-1DB95E61053F}"/>
+                <a16:creationId xmlns:a16="http://schemas.microsoft.com/office/drawing/2014/main" id="{5D18ABB3-A68F-8A41-064D-E59653DD690F}"/>
               </a:ext>
             </a:extLst>
           </p:cNvPr>
@@ -910,7 +910,7 @@
           <a:bodyPr/>
           <a:lstStyle/>
           <a:p>
-            <a:fld id="{FB54509F-FE37-4CFB-971C-944A255119AB}" type="slidenum">
+            <a:fld id="{7AC8388B-3CA3-49AE-A16D-CC47A1F27378}" type="slidenum">
               <a:rPr lang="zh-CN" altLang="en-US" smtClean="0"/>
               <a:t>‹#›</a:t>
             </a:fld>
@@ -921,7 +921,7 @@
     </p:spTree>
     <p:extLst>
       <p:ext uri="{BB962C8B-B14F-4D97-AF65-F5344CB8AC3E}">
-        <p14:creationId xmlns:p14="http://schemas.microsoft.com/office/powerpoint/2010/main" val="1452241504"/>
+        <p14:creationId xmlns:p14="http://schemas.microsoft.com/office/powerpoint/2010/main" val="120978409"/>
       </p:ext>
     </p:extLst>
   </p:cSld>
@@ -953,7 +953,7 @@
           <p:cNvPr id="2" name="标题 1">
             <a:extLst>
               <a:ext uri="{FF2B5EF4-FFF2-40B4-BE49-F238E27FC236}">
-                <a16:creationId xmlns:a16="http://schemas.microsoft.com/office/drawing/2014/main" id="{1A707340-C79B-CEBE-58F7-E8054E593966}"/>
+                <a16:creationId xmlns:a16="http://schemas.microsoft.com/office/drawing/2014/main" id="{CE130A94-BCD5-76C6-BDD1-040CAD5CC6E0}"/>
               </a:ext>
             </a:extLst>
           </p:cNvPr>
@@ -990,7 +990,7 @@
           <p:cNvPr id="3" name="文本占位符 2">
             <a:extLst>
               <a:ext uri="{FF2B5EF4-FFF2-40B4-BE49-F238E27FC236}">
-                <a16:creationId xmlns:a16="http://schemas.microsoft.com/office/drawing/2014/main" id="{BB1628B5-18D0-F930-7897-2F7AA5EDB786}"/>
+                <a16:creationId xmlns:a16="http://schemas.microsoft.com/office/drawing/2014/main" id="{AAA35A04-9E15-7A15-E4FE-1C88599FC599}"/>
               </a:ext>
             </a:extLst>
           </p:cNvPr>
@@ -1115,7 +1115,7 @@
           <p:cNvPr id="4" name="日期占位符 3">
             <a:extLst>
               <a:ext uri="{FF2B5EF4-FFF2-40B4-BE49-F238E27FC236}">
-                <a16:creationId xmlns:a16="http://schemas.microsoft.com/office/drawing/2014/main" id="{5A1E019A-A71D-9AAA-1A0A-5406F7DA70B7}"/>
+                <a16:creationId xmlns:a16="http://schemas.microsoft.com/office/drawing/2014/main" id="{98D88F4A-F013-F1B7-6DE2-E7524011D24F}"/>
               </a:ext>
             </a:extLst>
           </p:cNvPr>
@@ -1131,7 +1131,7 @@
           <a:bodyPr/>
           <a:lstStyle/>
           <a:p>
-            <a:fld id="{C8DA486A-55E5-4C54-B2B7-5AAB049B6CDC}" type="datetimeFigureOut">
+            <a:fld id="{5AC75C84-4621-4153-AE5E-1765C4D6FCC3}" type="datetimeFigureOut">
               <a:rPr lang="zh-CN" altLang="en-US" smtClean="0"/>
               <a:t>2024/3/10</a:t>
             </a:fld>
@@ -1144,7 +1144,7 @@
           <p:cNvPr id="5" name="页脚占位符 4">
             <a:extLst>
               <a:ext uri="{FF2B5EF4-FFF2-40B4-BE49-F238E27FC236}">
-                <a16:creationId xmlns:a16="http://schemas.microsoft.com/office/drawing/2014/main" id="{99602428-18E1-E52A-2129-08515DFC0C45}"/>
+                <a16:creationId xmlns:a16="http://schemas.microsoft.com/office/drawing/2014/main" id="{70EE04D7-8F74-9437-32F5-8D0703ED40AF}"/>
               </a:ext>
             </a:extLst>
           </p:cNvPr>
@@ -1169,7 +1169,7 @@
           <p:cNvPr id="6" name="灯片编号占位符 5">
             <a:extLst>
               <a:ext uri="{FF2B5EF4-FFF2-40B4-BE49-F238E27FC236}">
-                <a16:creationId xmlns:a16="http://schemas.microsoft.com/office/drawing/2014/main" id="{E049558E-4198-D3A8-E967-2F96CA3C6CFA}"/>
+                <a16:creationId xmlns:a16="http://schemas.microsoft.com/office/drawing/2014/main" id="{62BF9793-C37F-27A7-DC69-FE365A6C78F9}"/>
               </a:ext>
             </a:extLst>
           </p:cNvPr>
@@ -1185,7 +1185,7 @@
           <a:bodyPr/>
           <a:lstStyle/>
           <a:p>
-            <a:fld id="{FB54509F-FE37-4CFB-971C-944A255119AB}" type="slidenum">
+            <a:fld id="{7AC8388B-3CA3-49AE-A16D-CC47A1F27378}" type="slidenum">
               <a:rPr lang="zh-CN" altLang="en-US" smtClean="0"/>
               <a:t>‹#›</a:t>
             </a:fld>
@@ -1196,7 +1196,7 @@
     </p:spTree>
     <p:extLst>
       <p:ext uri="{BB962C8B-B14F-4D97-AF65-F5344CB8AC3E}">
-        <p14:creationId xmlns:p14="http://schemas.microsoft.com/office/powerpoint/2010/main" val="2331296006"/>
+        <p14:creationId xmlns:p14="http://schemas.microsoft.com/office/powerpoint/2010/main" val="2149989775"/>
       </p:ext>
     </p:extLst>
   </p:cSld>
@@ -1228,7 +1228,7 @@
           <p:cNvPr id="2" name="标题 1">
             <a:extLst>
               <a:ext uri="{FF2B5EF4-FFF2-40B4-BE49-F238E27FC236}">
-                <a16:creationId xmlns:a16="http://schemas.microsoft.com/office/drawing/2014/main" id="{4418DB84-4B45-0DE6-D7D4-68C34E0C81E7}"/>
+                <a16:creationId xmlns:a16="http://schemas.microsoft.com/office/drawing/2014/main" id="{577E6EF8-2ACA-E9A6-8B9D-DF73A4AFEF1A}"/>
               </a:ext>
             </a:extLst>
           </p:cNvPr>
@@ -1256,7 +1256,7 @@
           <p:cNvPr id="3" name="内容占位符 2">
             <a:extLst>
               <a:ext uri="{FF2B5EF4-FFF2-40B4-BE49-F238E27FC236}">
-                <a16:creationId xmlns:a16="http://schemas.microsoft.com/office/drawing/2014/main" id="{CC35C528-A530-F584-0DA2-C717524D31CC}"/>
+                <a16:creationId xmlns:a16="http://schemas.microsoft.com/office/drawing/2014/main" id="{654E2E0B-4A50-7B4D-5DC8-CFBCC463CE77}"/>
               </a:ext>
             </a:extLst>
           </p:cNvPr>
@@ -1318,7 +1318,7 @@
           <p:cNvPr id="4" name="内容占位符 3">
             <a:extLst>
               <a:ext uri="{FF2B5EF4-FFF2-40B4-BE49-F238E27FC236}">
-                <a16:creationId xmlns:a16="http://schemas.microsoft.com/office/drawing/2014/main" id="{8AA65203-173B-0675-7497-2F2870DE0CC9}"/>
+                <a16:creationId xmlns:a16="http://schemas.microsoft.com/office/drawing/2014/main" id="{773D2568-A266-A533-6BAF-7CF4945B0B83}"/>
               </a:ext>
             </a:extLst>
           </p:cNvPr>
@@ -1380,7 +1380,7 @@
           <p:cNvPr id="5" name="日期占位符 4">
             <a:extLst>
               <a:ext uri="{FF2B5EF4-FFF2-40B4-BE49-F238E27FC236}">
-                <a16:creationId xmlns:a16="http://schemas.microsoft.com/office/drawing/2014/main" id="{66126717-25C4-179A-E97C-EA21D46E604C}"/>
+                <a16:creationId xmlns:a16="http://schemas.microsoft.com/office/drawing/2014/main" id="{9FFB23BD-9BA9-4CBA-F037-5C1BBE328B8D}"/>
               </a:ext>
             </a:extLst>
           </p:cNvPr>
@@ -1396,7 +1396,7 @@
           <a:bodyPr/>
           <a:lstStyle/>
           <a:p>
-            <a:fld id="{C8DA486A-55E5-4C54-B2B7-5AAB049B6CDC}" type="datetimeFigureOut">
+            <a:fld id="{5AC75C84-4621-4153-AE5E-1765C4D6FCC3}" type="datetimeFigureOut">
               <a:rPr lang="zh-CN" altLang="en-US" smtClean="0"/>
               <a:t>2024/3/10</a:t>
             </a:fld>
@@ -1409,7 +1409,7 @@
           <p:cNvPr id="6" name="页脚占位符 5">
             <a:extLst>
               <a:ext uri="{FF2B5EF4-FFF2-40B4-BE49-F238E27FC236}">
-                <a16:creationId xmlns:a16="http://schemas.microsoft.com/office/drawing/2014/main" id="{9259A99B-2858-2601-E14C-3BF543CCC8D3}"/>
+                <a16:creationId xmlns:a16="http://schemas.microsoft.com/office/drawing/2014/main" id="{DAF34956-6F11-FA43-CBB9-30AC39E3722A}"/>
               </a:ext>
             </a:extLst>
           </p:cNvPr>
@@ -1434,7 +1434,7 @@
           <p:cNvPr id="7" name="灯片编号占位符 6">
             <a:extLst>
               <a:ext uri="{FF2B5EF4-FFF2-40B4-BE49-F238E27FC236}">
-                <a16:creationId xmlns:a16="http://schemas.microsoft.com/office/drawing/2014/main" id="{7BD69976-0526-C690-F3E8-2244D812886E}"/>
+                <a16:creationId xmlns:a16="http://schemas.microsoft.com/office/drawing/2014/main" id="{F3963C50-CC8D-009F-6C93-F7880E42FF77}"/>
               </a:ext>
             </a:extLst>
           </p:cNvPr>
@@ -1450,7 +1450,7 @@
           <a:bodyPr/>
           <a:lstStyle/>
           <a:p>
-            <a:fld id="{FB54509F-FE37-4CFB-971C-944A255119AB}" type="slidenum">
+            <a:fld id="{7AC8388B-3CA3-49AE-A16D-CC47A1F27378}" type="slidenum">
               <a:rPr lang="zh-CN" altLang="en-US" smtClean="0"/>
               <a:t>‹#›</a:t>
             </a:fld>
@@ -1461,7 +1461,7 @@
     </p:spTree>
     <p:extLst>
       <p:ext uri="{BB962C8B-B14F-4D97-AF65-F5344CB8AC3E}">
-        <p14:creationId xmlns:p14="http://schemas.microsoft.com/office/powerpoint/2010/main" val="2142579205"/>
+        <p14:creationId xmlns:p14="http://schemas.microsoft.com/office/powerpoint/2010/main" val="3053251377"/>
       </p:ext>
     </p:extLst>
   </p:cSld>
@@ -1493,7 +1493,7 @@
           <p:cNvPr id="2" name="标题 1">
             <a:extLst>
               <a:ext uri="{FF2B5EF4-FFF2-40B4-BE49-F238E27FC236}">
-                <a16:creationId xmlns:a16="http://schemas.microsoft.com/office/drawing/2014/main" id="{8BD664D4-052D-5E60-A2BB-C3B5535BC01C}"/>
+                <a16:creationId xmlns:a16="http://schemas.microsoft.com/office/drawing/2014/main" id="{E05F6EFA-D2AC-A372-A8EF-DFEBEA22CAAB}"/>
               </a:ext>
             </a:extLst>
           </p:cNvPr>
@@ -1526,7 +1526,7 @@
           <p:cNvPr id="3" name="文本占位符 2">
             <a:extLst>
               <a:ext uri="{FF2B5EF4-FFF2-40B4-BE49-F238E27FC236}">
-                <a16:creationId xmlns:a16="http://schemas.microsoft.com/office/drawing/2014/main" id="{A8D79673-6626-7875-4E4C-3F4E1D29980B}"/>
+                <a16:creationId xmlns:a16="http://schemas.microsoft.com/office/drawing/2014/main" id="{E8E33D92-2AF0-64C4-7044-70BF10500E52}"/>
               </a:ext>
             </a:extLst>
           </p:cNvPr>
@@ -1597,7 +1597,7 @@
           <p:cNvPr id="4" name="内容占位符 3">
             <a:extLst>
               <a:ext uri="{FF2B5EF4-FFF2-40B4-BE49-F238E27FC236}">
-                <a16:creationId xmlns:a16="http://schemas.microsoft.com/office/drawing/2014/main" id="{A5420CBC-D32F-9387-2174-14392920ADE4}"/>
+                <a16:creationId xmlns:a16="http://schemas.microsoft.com/office/drawing/2014/main" id="{9B02DE17-17E4-FC2D-D9AD-71A7249DF832}"/>
               </a:ext>
             </a:extLst>
           </p:cNvPr>
@@ -1659,7 +1659,7 @@
           <p:cNvPr id="5" name="文本占位符 4">
             <a:extLst>
               <a:ext uri="{FF2B5EF4-FFF2-40B4-BE49-F238E27FC236}">
-                <a16:creationId xmlns:a16="http://schemas.microsoft.com/office/drawing/2014/main" id="{601EB829-08F8-5DBE-C03B-FDAB4BCB545F}"/>
+                <a16:creationId xmlns:a16="http://schemas.microsoft.com/office/drawing/2014/main" id="{EA98BB0E-D551-3117-4897-6DAC50A6E734}"/>
               </a:ext>
             </a:extLst>
           </p:cNvPr>
@@ -1730,7 +1730,7 @@
           <p:cNvPr id="6" name="内容占位符 5">
             <a:extLst>
               <a:ext uri="{FF2B5EF4-FFF2-40B4-BE49-F238E27FC236}">
-                <a16:creationId xmlns:a16="http://schemas.microsoft.com/office/drawing/2014/main" id="{243DDBD6-6C94-4CCC-E8B7-FA0761258DB6}"/>
+                <a16:creationId xmlns:a16="http://schemas.microsoft.com/office/drawing/2014/main" id="{C8EFCBB8-D10A-5247-2B75-E0A328C94BB4}"/>
               </a:ext>
             </a:extLst>
           </p:cNvPr>
@@ -1792,7 +1792,7 @@
           <p:cNvPr id="7" name="日期占位符 6">
             <a:extLst>
               <a:ext uri="{FF2B5EF4-FFF2-40B4-BE49-F238E27FC236}">
-                <a16:creationId xmlns:a16="http://schemas.microsoft.com/office/drawing/2014/main" id="{C7F14B6E-90B4-E3B3-4AFF-681F91E5F76A}"/>
+                <a16:creationId xmlns:a16="http://schemas.microsoft.com/office/drawing/2014/main" id="{5117D874-84A0-755D-B587-619BFAC96698}"/>
               </a:ext>
             </a:extLst>
           </p:cNvPr>
@@ -1808,7 +1808,7 @@
           <a:bodyPr/>
           <a:lstStyle/>
           <a:p>
-            <a:fld id="{C8DA486A-55E5-4C54-B2B7-5AAB049B6CDC}" type="datetimeFigureOut">
+            <a:fld id="{5AC75C84-4621-4153-AE5E-1765C4D6FCC3}" type="datetimeFigureOut">
               <a:rPr lang="zh-CN" altLang="en-US" smtClean="0"/>
               <a:t>2024/3/10</a:t>
             </a:fld>
@@ -1821,7 +1821,7 @@
           <p:cNvPr id="8" name="页脚占位符 7">
             <a:extLst>
               <a:ext uri="{FF2B5EF4-FFF2-40B4-BE49-F238E27FC236}">
-                <a16:creationId xmlns:a16="http://schemas.microsoft.com/office/drawing/2014/main" id="{3981CE2F-28AF-08EE-F9E3-B2A7A530D009}"/>
+                <a16:creationId xmlns:a16="http://schemas.microsoft.com/office/drawing/2014/main" id="{FF2177FC-0D16-47C4-16F5-B1922A99A02C}"/>
               </a:ext>
             </a:extLst>
           </p:cNvPr>
@@ -1846,7 +1846,7 @@
           <p:cNvPr id="9" name="灯片编号占位符 8">
             <a:extLst>
               <a:ext uri="{FF2B5EF4-FFF2-40B4-BE49-F238E27FC236}">
-                <a16:creationId xmlns:a16="http://schemas.microsoft.com/office/drawing/2014/main" id="{BFBADF6F-D04B-C4E5-115B-6F593912F03F}"/>
+                <a16:creationId xmlns:a16="http://schemas.microsoft.com/office/drawing/2014/main" id="{559F1DE1-1F38-0C41-4F11-C8E168F2FBD7}"/>
               </a:ext>
             </a:extLst>
           </p:cNvPr>
@@ -1862,7 +1862,7 @@
           <a:bodyPr/>
           <a:lstStyle/>
           <a:p>
-            <a:fld id="{FB54509F-FE37-4CFB-971C-944A255119AB}" type="slidenum">
+            <a:fld id="{7AC8388B-3CA3-49AE-A16D-CC47A1F27378}" type="slidenum">
               <a:rPr lang="zh-CN" altLang="en-US" smtClean="0"/>
               <a:t>‹#›</a:t>
             </a:fld>
@@ -1873,7 +1873,7 @@
     </p:spTree>
     <p:extLst>
       <p:ext uri="{BB962C8B-B14F-4D97-AF65-F5344CB8AC3E}">
-        <p14:creationId xmlns:p14="http://schemas.microsoft.com/office/powerpoint/2010/main" val="3658260545"/>
+        <p14:creationId xmlns:p14="http://schemas.microsoft.com/office/powerpoint/2010/main" val="4052140485"/>
       </p:ext>
     </p:extLst>
   </p:cSld>
@@ -1905,7 +1905,7 @@
           <p:cNvPr id="2" name="标题 1">
             <a:extLst>
               <a:ext uri="{FF2B5EF4-FFF2-40B4-BE49-F238E27FC236}">
-                <a16:creationId xmlns:a16="http://schemas.microsoft.com/office/drawing/2014/main" id="{7EF83D82-9A52-6A7B-05B8-E3792A69AFB2}"/>
+                <a16:creationId xmlns:a16="http://schemas.microsoft.com/office/drawing/2014/main" id="{AB11F52C-FCE6-DADA-9B79-DD75BE546FBD}"/>
               </a:ext>
             </a:extLst>
           </p:cNvPr>
@@ -1933,7 +1933,7 @@
           <p:cNvPr id="3" name="日期占位符 2">
             <a:extLst>
               <a:ext uri="{FF2B5EF4-FFF2-40B4-BE49-F238E27FC236}">
-                <a16:creationId xmlns:a16="http://schemas.microsoft.com/office/drawing/2014/main" id="{8A8D42D5-9D76-619D-BC8E-EF53BF1B33B7}"/>
+                <a16:creationId xmlns:a16="http://schemas.microsoft.com/office/drawing/2014/main" id="{81D9D7ED-F2D5-9A3D-E6A7-E9FFA3CB098E}"/>
               </a:ext>
             </a:extLst>
           </p:cNvPr>
@@ -1949,7 +1949,7 @@
           <a:bodyPr/>
           <a:lstStyle/>
           <a:p>
-            <a:fld id="{C8DA486A-55E5-4C54-B2B7-5AAB049B6CDC}" type="datetimeFigureOut">
+            <a:fld id="{5AC75C84-4621-4153-AE5E-1765C4D6FCC3}" type="datetimeFigureOut">
               <a:rPr lang="zh-CN" altLang="en-US" smtClean="0"/>
               <a:t>2024/3/10</a:t>
             </a:fld>
@@ -1962,7 +1962,7 @@
           <p:cNvPr id="4" name="页脚占位符 3">
             <a:extLst>
               <a:ext uri="{FF2B5EF4-FFF2-40B4-BE49-F238E27FC236}">
-                <a16:creationId xmlns:a16="http://schemas.microsoft.com/office/drawing/2014/main" id="{23ED7C67-495C-0E3B-7967-6A30EEFC17AA}"/>
+                <a16:creationId xmlns:a16="http://schemas.microsoft.com/office/drawing/2014/main" id="{688E41DD-31E6-DFCF-BD17-37B3A4F59A52}"/>
               </a:ext>
             </a:extLst>
           </p:cNvPr>
@@ -1987,7 +1987,7 @@
           <p:cNvPr id="5" name="灯片编号占位符 4">
             <a:extLst>
               <a:ext uri="{FF2B5EF4-FFF2-40B4-BE49-F238E27FC236}">
-                <a16:creationId xmlns:a16="http://schemas.microsoft.com/office/drawing/2014/main" id="{4D341E64-DBA4-E27A-21A0-34BE106217C6}"/>
+                <a16:creationId xmlns:a16="http://schemas.microsoft.com/office/drawing/2014/main" id="{369EF643-849F-2E9B-01FE-3A0704C22A47}"/>
               </a:ext>
             </a:extLst>
           </p:cNvPr>
@@ -2003,7 +2003,7 @@
           <a:bodyPr/>
           <a:lstStyle/>
           <a:p>
-            <a:fld id="{FB54509F-FE37-4CFB-971C-944A255119AB}" type="slidenum">
+            <a:fld id="{7AC8388B-3CA3-49AE-A16D-CC47A1F27378}" type="slidenum">
               <a:rPr lang="zh-CN" altLang="en-US" smtClean="0"/>
               <a:t>‹#›</a:t>
             </a:fld>
@@ -2014,7 +2014,7 @@
     </p:spTree>
     <p:extLst>
       <p:ext uri="{BB962C8B-B14F-4D97-AF65-F5344CB8AC3E}">
-        <p14:creationId xmlns:p14="http://schemas.microsoft.com/office/powerpoint/2010/main" val="3116326489"/>
+        <p14:creationId xmlns:p14="http://schemas.microsoft.com/office/powerpoint/2010/main" val="1109416857"/>
       </p:ext>
     </p:extLst>
   </p:cSld>
@@ -2046,7 +2046,7 @@
           <p:cNvPr id="2" name="日期占位符 1">
             <a:extLst>
               <a:ext uri="{FF2B5EF4-FFF2-40B4-BE49-F238E27FC236}">
-                <a16:creationId xmlns:a16="http://schemas.microsoft.com/office/drawing/2014/main" id="{ED00067A-BE5C-1D02-A21A-945CAAB29B3E}"/>
+                <a16:creationId xmlns:a16="http://schemas.microsoft.com/office/drawing/2014/main" id="{C1B3FA67-CB66-C7A7-0003-55484200AE18}"/>
               </a:ext>
             </a:extLst>
           </p:cNvPr>
@@ -2062,7 +2062,7 @@
           <a:bodyPr/>
           <a:lstStyle/>
           <a:p>
-            <a:fld id="{C8DA486A-55E5-4C54-B2B7-5AAB049B6CDC}" type="datetimeFigureOut">
+            <a:fld id="{5AC75C84-4621-4153-AE5E-1765C4D6FCC3}" type="datetimeFigureOut">
               <a:rPr lang="zh-CN" altLang="en-US" smtClean="0"/>
               <a:t>2024/3/10</a:t>
             </a:fld>
@@ -2075,7 +2075,7 @@
           <p:cNvPr id="3" name="页脚占位符 2">
             <a:extLst>
               <a:ext uri="{FF2B5EF4-FFF2-40B4-BE49-F238E27FC236}">
-                <a16:creationId xmlns:a16="http://schemas.microsoft.com/office/drawing/2014/main" id="{E35FBB5E-EFB1-83A2-E991-34367E38AEAB}"/>
+                <a16:creationId xmlns:a16="http://schemas.microsoft.com/office/drawing/2014/main" id="{B486322B-609A-B16B-91AB-047E098DA73B}"/>
               </a:ext>
             </a:extLst>
           </p:cNvPr>
@@ -2100,7 +2100,7 @@
           <p:cNvPr id="4" name="灯片编号占位符 3">
             <a:extLst>
               <a:ext uri="{FF2B5EF4-FFF2-40B4-BE49-F238E27FC236}">
-                <a16:creationId xmlns:a16="http://schemas.microsoft.com/office/drawing/2014/main" id="{0525787C-A578-BC32-7E85-E7E8EBB11341}"/>
+                <a16:creationId xmlns:a16="http://schemas.microsoft.com/office/drawing/2014/main" id="{77756EA5-D160-750E-AB6F-3325F9FD48CD}"/>
               </a:ext>
             </a:extLst>
           </p:cNvPr>
@@ -2116,7 +2116,7 @@
           <a:bodyPr/>
           <a:lstStyle/>
           <a:p>
-            <a:fld id="{FB54509F-FE37-4CFB-971C-944A255119AB}" type="slidenum">
+            <a:fld id="{7AC8388B-3CA3-49AE-A16D-CC47A1F27378}" type="slidenum">
               <a:rPr lang="zh-CN" altLang="en-US" smtClean="0"/>
               <a:t>‹#›</a:t>
             </a:fld>
@@ -2127,7 +2127,7 @@
     </p:spTree>
     <p:extLst>
       <p:ext uri="{BB962C8B-B14F-4D97-AF65-F5344CB8AC3E}">
-        <p14:creationId xmlns:p14="http://schemas.microsoft.com/office/powerpoint/2010/main" val="2077685249"/>
+        <p14:creationId xmlns:p14="http://schemas.microsoft.com/office/powerpoint/2010/main" val="66546566"/>
       </p:ext>
     </p:extLst>
   </p:cSld>
@@ -2159,7 +2159,7 @@
           <p:cNvPr id="2" name="标题 1">
             <a:extLst>
               <a:ext uri="{FF2B5EF4-FFF2-40B4-BE49-F238E27FC236}">
-                <a16:creationId xmlns:a16="http://schemas.microsoft.com/office/drawing/2014/main" id="{27B1C611-D232-0E22-31FC-385BDAD11885}"/>
+                <a16:creationId xmlns:a16="http://schemas.microsoft.com/office/drawing/2014/main" id="{02578435-53F3-836C-57C4-1BB290AA9A4C}"/>
               </a:ext>
             </a:extLst>
           </p:cNvPr>
@@ -2196,7 +2196,7 @@
           <p:cNvPr id="3" name="内容占位符 2">
             <a:extLst>
               <a:ext uri="{FF2B5EF4-FFF2-40B4-BE49-F238E27FC236}">
-                <a16:creationId xmlns:a16="http://schemas.microsoft.com/office/drawing/2014/main" id="{6FBC0CF1-3A18-FB3D-B7FD-3E8FE28CB306}"/>
+                <a16:creationId xmlns:a16="http://schemas.microsoft.com/office/drawing/2014/main" id="{DA9A46AB-BA7A-E74E-F6CC-80A0800ABA1D}"/>
               </a:ext>
             </a:extLst>
           </p:cNvPr>
@@ -2286,7 +2286,7 @@
           <p:cNvPr id="4" name="文本占位符 3">
             <a:extLst>
               <a:ext uri="{FF2B5EF4-FFF2-40B4-BE49-F238E27FC236}">
-                <a16:creationId xmlns:a16="http://schemas.microsoft.com/office/drawing/2014/main" id="{3AADBD0B-0939-823E-03FB-CC92A798B09B}"/>
+                <a16:creationId xmlns:a16="http://schemas.microsoft.com/office/drawing/2014/main" id="{6AF6532A-EB55-D347-F213-15DB5244EB35}"/>
               </a:ext>
             </a:extLst>
           </p:cNvPr>
@@ -2357,7 +2357,7 @@
           <p:cNvPr id="5" name="日期占位符 4">
             <a:extLst>
               <a:ext uri="{FF2B5EF4-FFF2-40B4-BE49-F238E27FC236}">
-                <a16:creationId xmlns:a16="http://schemas.microsoft.com/office/drawing/2014/main" id="{F7896AC2-4F86-79F5-6E43-4BF9CBF2305E}"/>
+                <a16:creationId xmlns:a16="http://schemas.microsoft.com/office/drawing/2014/main" id="{55564149-136F-4D77-E9E0-BEC9EC4F76BA}"/>
               </a:ext>
             </a:extLst>
           </p:cNvPr>
@@ -2373,7 +2373,7 @@
           <a:bodyPr/>
           <a:lstStyle/>
           <a:p>
-            <a:fld id="{C8DA486A-55E5-4C54-B2B7-5AAB049B6CDC}" type="datetimeFigureOut">
+            <a:fld id="{5AC75C84-4621-4153-AE5E-1765C4D6FCC3}" type="datetimeFigureOut">
               <a:rPr lang="zh-CN" altLang="en-US" smtClean="0"/>
               <a:t>2024/3/10</a:t>
             </a:fld>
@@ -2386,7 +2386,7 @@
           <p:cNvPr id="6" name="页脚占位符 5">
             <a:extLst>
               <a:ext uri="{FF2B5EF4-FFF2-40B4-BE49-F238E27FC236}">
-                <a16:creationId xmlns:a16="http://schemas.microsoft.com/office/drawing/2014/main" id="{72C3532D-09DA-C071-8127-B50CDFEC0120}"/>
+                <a16:creationId xmlns:a16="http://schemas.microsoft.com/office/drawing/2014/main" id="{CEB511F1-0174-97EA-0E27-57F4711C8C74}"/>
               </a:ext>
             </a:extLst>
           </p:cNvPr>
@@ -2411,7 +2411,7 @@
           <p:cNvPr id="7" name="灯片编号占位符 6">
             <a:extLst>
               <a:ext uri="{FF2B5EF4-FFF2-40B4-BE49-F238E27FC236}">
-                <a16:creationId xmlns:a16="http://schemas.microsoft.com/office/drawing/2014/main" id="{E9565AAE-2642-D6DF-66D4-2A3F6B6D1454}"/>
+                <a16:creationId xmlns:a16="http://schemas.microsoft.com/office/drawing/2014/main" id="{77DD681F-0984-085F-5B9F-7E3F136FAA41}"/>
               </a:ext>
             </a:extLst>
           </p:cNvPr>
@@ -2427,7 +2427,7 @@
           <a:bodyPr/>
           <a:lstStyle/>
           <a:p>
-            <a:fld id="{FB54509F-FE37-4CFB-971C-944A255119AB}" type="slidenum">
+            <a:fld id="{7AC8388B-3CA3-49AE-A16D-CC47A1F27378}" type="slidenum">
               <a:rPr lang="zh-CN" altLang="en-US" smtClean="0"/>
               <a:t>‹#›</a:t>
             </a:fld>
@@ -2438,7 +2438,7 @@
     </p:spTree>
     <p:extLst>
       <p:ext uri="{BB962C8B-B14F-4D97-AF65-F5344CB8AC3E}">
-        <p14:creationId xmlns:p14="http://schemas.microsoft.com/office/powerpoint/2010/main" val="1874218274"/>
+        <p14:creationId xmlns:p14="http://schemas.microsoft.com/office/powerpoint/2010/main" val="3048195677"/>
       </p:ext>
     </p:extLst>
   </p:cSld>
@@ -2470,7 +2470,7 @@
           <p:cNvPr id="2" name="标题 1">
             <a:extLst>
               <a:ext uri="{FF2B5EF4-FFF2-40B4-BE49-F238E27FC236}">
-                <a16:creationId xmlns:a16="http://schemas.microsoft.com/office/drawing/2014/main" id="{64432A28-5D60-B455-DAA2-C1DDF72BDF53}"/>
+                <a16:creationId xmlns:a16="http://schemas.microsoft.com/office/drawing/2014/main" id="{E96EAB45-50F6-4317-C4AE-6575A3750214}"/>
               </a:ext>
             </a:extLst>
           </p:cNvPr>
@@ -2507,7 +2507,7 @@
           <p:cNvPr id="3" name="图片占位符 2">
             <a:extLst>
               <a:ext uri="{FF2B5EF4-FFF2-40B4-BE49-F238E27FC236}">
-                <a16:creationId xmlns:a16="http://schemas.microsoft.com/office/drawing/2014/main" id="{AE079295-72EE-2D58-9116-F38CDDC271BC}"/>
+                <a16:creationId xmlns:a16="http://schemas.microsoft.com/office/drawing/2014/main" id="{70C2D592-53DF-9574-A794-F095A81906E0}"/>
               </a:ext>
             </a:extLst>
           </p:cNvPr>
@@ -2574,7 +2574,7 @@
           <p:cNvPr id="4" name="文本占位符 3">
             <a:extLst>
               <a:ext uri="{FF2B5EF4-FFF2-40B4-BE49-F238E27FC236}">
-                <a16:creationId xmlns:a16="http://schemas.microsoft.com/office/drawing/2014/main" id="{9B2B054C-7161-7246-9097-3DB171FFE85F}"/>
+                <a16:creationId xmlns:a16="http://schemas.microsoft.com/office/drawing/2014/main" id="{82B6ECD6-59AA-202E-C6AC-2BA88B778BEF}"/>
               </a:ext>
             </a:extLst>
           </p:cNvPr>
@@ -2645,7 +2645,7 @@
           <p:cNvPr id="5" name="日期占位符 4">
             <a:extLst>
               <a:ext uri="{FF2B5EF4-FFF2-40B4-BE49-F238E27FC236}">
-                <a16:creationId xmlns:a16="http://schemas.microsoft.com/office/drawing/2014/main" id="{CF8F44CC-A912-7E4D-0D6A-532ED71112BE}"/>
+                <a16:creationId xmlns:a16="http://schemas.microsoft.com/office/drawing/2014/main" id="{B9E97317-C88C-F2CB-2F29-9D82493BBC18}"/>
               </a:ext>
             </a:extLst>
           </p:cNvPr>
@@ -2661,7 +2661,7 @@
           <a:bodyPr/>
           <a:lstStyle/>
           <a:p>
-            <a:fld id="{C8DA486A-55E5-4C54-B2B7-5AAB049B6CDC}" type="datetimeFigureOut">
+            <a:fld id="{5AC75C84-4621-4153-AE5E-1765C4D6FCC3}" type="datetimeFigureOut">
               <a:rPr lang="zh-CN" altLang="en-US" smtClean="0"/>
               <a:t>2024/3/10</a:t>
             </a:fld>
@@ -2674,7 +2674,7 @@
           <p:cNvPr id="6" name="页脚占位符 5">
             <a:extLst>
               <a:ext uri="{FF2B5EF4-FFF2-40B4-BE49-F238E27FC236}">
-                <a16:creationId xmlns:a16="http://schemas.microsoft.com/office/drawing/2014/main" id="{E1ABD904-F516-C050-D650-F6FB78C3D143}"/>
+                <a16:creationId xmlns:a16="http://schemas.microsoft.com/office/drawing/2014/main" id="{90CA153B-C729-E3EA-4B7F-AC4B26B4275E}"/>
               </a:ext>
             </a:extLst>
           </p:cNvPr>
@@ -2699,7 +2699,7 @@
           <p:cNvPr id="7" name="灯片编号占位符 6">
             <a:extLst>
               <a:ext uri="{FF2B5EF4-FFF2-40B4-BE49-F238E27FC236}">
-                <a16:creationId xmlns:a16="http://schemas.microsoft.com/office/drawing/2014/main" id="{A55984F2-665F-6CD8-8181-87E6EBE8E665}"/>
+                <a16:creationId xmlns:a16="http://schemas.microsoft.com/office/drawing/2014/main" id="{F28DF331-B837-8DEF-0129-9B7A1382618F}"/>
               </a:ext>
             </a:extLst>
           </p:cNvPr>
@@ -2715,7 +2715,7 @@
           <a:bodyPr/>
           <a:lstStyle/>
           <a:p>
-            <a:fld id="{FB54509F-FE37-4CFB-971C-944A255119AB}" type="slidenum">
+            <a:fld id="{7AC8388B-3CA3-49AE-A16D-CC47A1F27378}" type="slidenum">
               <a:rPr lang="zh-CN" altLang="en-US" smtClean="0"/>
               <a:t>‹#›</a:t>
             </a:fld>
@@ -2726,7 +2726,7 @@
     </p:spTree>
     <p:extLst>
       <p:ext uri="{BB962C8B-B14F-4D97-AF65-F5344CB8AC3E}">
-        <p14:creationId xmlns:p14="http://schemas.microsoft.com/office/powerpoint/2010/main" val="1628460756"/>
+        <p14:creationId xmlns:p14="http://schemas.microsoft.com/office/powerpoint/2010/main" val="1071591172"/>
       </p:ext>
     </p:extLst>
   </p:cSld>
@@ -2763,7 +2763,7 @@
           <p:cNvPr id="2" name="标题占位符 1">
             <a:extLst>
               <a:ext uri="{FF2B5EF4-FFF2-40B4-BE49-F238E27FC236}">
-                <a16:creationId xmlns:a16="http://schemas.microsoft.com/office/drawing/2014/main" id="{3A22D5F5-C3CB-7B68-B428-D9B977CF0F97}"/>
+                <a16:creationId xmlns:a16="http://schemas.microsoft.com/office/drawing/2014/main" id="{30C0792C-8F18-42F5-A08B-FCE48E4713AA}"/>
               </a:ext>
             </a:extLst>
           </p:cNvPr>
@@ -2801,7 +2801,7 @@
           <p:cNvPr id="3" name="文本占位符 2">
             <a:extLst>
               <a:ext uri="{FF2B5EF4-FFF2-40B4-BE49-F238E27FC236}">
-                <a16:creationId xmlns:a16="http://schemas.microsoft.com/office/drawing/2014/main" id="{107D574D-7CB2-A95B-466A-80C6ECCE0631}"/>
+                <a16:creationId xmlns:a16="http://schemas.microsoft.com/office/drawing/2014/main" id="{CECA7061-8B48-4C17-D4DB-668D74549172}"/>
               </a:ext>
             </a:extLst>
           </p:cNvPr>
@@ -2868,7 +2868,7 @@
           <p:cNvPr id="4" name="日期占位符 3">
             <a:extLst>
               <a:ext uri="{FF2B5EF4-FFF2-40B4-BE49-F238E27FC236}">
-                <a16:creationId xmlns:a16="http://schemas.microsoft.com/office/drawing/2014/main" id="{08619BE3-A83C-30CD-B3AB-E65C259E1136}"/>
+                <a16:creationId xmlns:a16="http://schemas.microsoft.com/office/drawing/2014/main" id="{E6C27DBE-0B13-650F-F744-8D544ADAFBEF}"/>
               </a:ext>
             </a:extLst>
           </p:cNvPr>
@@ -2902,7 +2902,7 @@
             </a:lvl1pPr>
           </a:lstStyle>
           <a:p>
-            <a:fld id="{C8DA486A-55E5-4C54-B2B7-5AAB049B6CDC}" type="datetimeFigureOut">
+            <a:fld id="{5AC75C84-4621-4153-AE5E-1765C4D6FCC3}" type="datetimeFigureOut">
               <a:rPr lang="zh-CN" altLang="en-US" smtClean="0"/>
               <a:t>2024/3/10</a:t>
             </a:fld>
@@ -2915,7 +2915,7 @@
           <p:cNvPr id="5" name="页脚占位符 4">
             <a:extLst>
               <a:ext uri="{FF2B5EF4-FFF2-40B4-BE49-F238E27FC236}">
-                <a16:creationId xmlns:a16="http://schemas.microsoft.com/office/drawing/2014/main" id="{CD29F4DC-07D6-9C7C-2165-037BBF74EE1E}"/>
+                <a16:creationId xmlns:a16="http://schemas.microsoft.com/office/drawing/2014/main" id="{57463DCA-17E4-F2C6-8002-F04E6503EB90}"/>
               </a:ext>
             </a:extLst>
           </p:cNvPr>
@@ -2958,7 +2958,7 @@
           <p:cNvPr id="6" name="灯片编号占位符 5">
             <a:extLst>
               <a:ext uri="{FF2B5EF4-FFF2-40B4-BE49-F238E27FC236}">
-                <a16:creationId xmlns:a16="http://schemas.microsoft.com/office/drawing/2014/main" id="{9194C2D1-9EA8-F17F-F1DD-B5D43CA22279}"/>
+                <a16:creationId xmlns:a16="http://schemas.microsoft.com/office/drawing/2014/main" id="{4226F988-A560-EAFB-B852-48CF8EE8086E}"/>
               </a:ext>
             </a:extLst>
           </p:cNvPr>
@@ -2992,7 +2992,7 @@
             </a:lvl1pPr>
           </a:lstStyle>
           <a:p>
-            <a:fld id="{FB54509F-FE37-4CFB-971C-944A255119AB}" type="slidenum">
+            <a:fld id="{7AC8388B-3CA3-49AE-A16D-CC47A1F27378}" type="slidenum">
               <a:rPr lang="zh-CN" altLang="en-US" smtClean="0"/>
               <a:t>‹#›</a:t>
             </a:fld>
@@ -3003,7 +3003,7 @@
     </p:spTree>
     <p:extLst>
       <p:ext uri="{BB962C8B-B14F-4D97-AF65-F5344CB8AC3E}">
-        <p14:creationId xmlns:p14="http://schemas.microsoft.com/office/powerpoint/2010/main" val="2836291693"/>
+        <p14:creationId xmlns:p14="http://schemas.microsoft.com/office/powerpoint/2010/main" val="2113534134"/>
       </p:ext>
     </p:extLst>
   </p:cSld>
